--- a/10_Apache_Sqoop_Flume/flume/00_flume_teori.pptx
+++ b/10_Apache_Sqoop_Flume/flume/00_flume_teori.pptx
@@ -371,7 +371,7 @@
           <a:p>
             <a:fld id="{6F77F576-AE14-466D-AA6B-335273622B21}" type="datetimeFigureOut">
               <a:rPr lang="en-US" smtClean="0"/>
-              <a:t>10/26/2019</a:t>
+              <a:t>10/30/2019</a:t>
             </a:fld>
             <a:endParaRPr lang="en-US"/>
           </a:p>
@@ -770,7 +770,7 @@
           <a:p>
             <a:fld id="{54AA066D-271F-4C1A-B89A-0705A7689EE9}" type="datetimeFigureOut">
               <a:rPr lang="en-US" smtClean="0"/>
-              <a:t>10/26/2019</a:t>
+              <a:t>10/30/2019</a:t>
             </a:fld>
             <a:endParaRPr lang="en-US"/>
           </a:p>
@@ -940,7 +940,7 @@
           <a:p>
             <a:fld id="{54AA066D-271F-4C1A-B89A-0705A7689EE9}" type="datetimeFigureOut">
               <a:rPr lang="en-US" smtClean="0"/>
-              <a:t>10/26/2019</a:t>
+              <a:t>10/30/2019</a:t>
             </a:fld>
             <a:endParaRPr lang="en-US"/>
           </a:p>
@@ -1120,7 +1120,7 @@
           <a:p>
             <a:fld id="{54AA066D-271F-4C1A-B89A-0705A7689EE9}" type="datetimeFigureOut">
               <a:rPr lang="en-US" smtClean="0"/>
-              <a:t>10/26/2019</a:t>
+              <a:t>10/30/2019</a:t>
             </a:fld>
             <a:endParaRPr lang="en-US"/>
           </a:p>
@@ -1290,7 +1290,7 @@
           <a:p>
             <a:fld id="{54AA066D-271F-4C1A-B89A-0705A7689EE9}" type="datetimeFigureOut">
               <a:rPr lang="en-US" smtClean="0"/>
-              <a:t>10/26/2019</a:t>
+              <a:t>10/30/2019</a:t>
             </a:fld>
             <a:endParaRPr lang="en-US"/>
           </a:p>
@@ -1536,7 +1536,7 @@
           <a:p>
             <a:fld id="{54AA066D-271F-4C1A-B89A-0705A7689EE9}" type="datetimeFigureOut">
               <a:rPr lang="en-US" smtClean="0"/>
-              <a:t>10/26/2019</a:t>
+              <a:t>10/30/2019</a:t>
             </a:fld>
             <a:endParaRPr lang="en-US"/>
           </a:p>
@@ -1768,7 +1768,7 @@
           <a:p>
             <a:fld id="{54AA066D-271F-4C1A-B89A-0705A7689EE9}" type="datetimeFigureOut">
               <a:rPr lang="en-US" smtClean="0"/>
-              <a:t>10/26/2019</a:t>
+              <a:t>10/30/2019</a:t>
             </a:fld>
             <a:endParaRPr lang="en-US"/>
           </a:p>
@@ -2135,7 +2135,7 @@
           <a:p>
             <a:fld id="{54AA066D-271F-4C1A-B89A-0705A7689EE9}" type="datetimeFigureOut">
               <a:rPr lang="en-US" smtClean="0"/>
-              <a:t>10/26/2019</a:t>
+              <a:t>10/30/2019</a:t>
             </a:fld>
             <a:endParaRPr lang="en-US"/>
           </a:p>
@@ -2253,7 +2253,7 @@
           <a:p>
             <a:fld id="{54AA066D-271F-4C1A-B89A-0705A7689EE9}" type="datetimeFigureOut">
               <a:rPr lang="en-US" smtClean="0"/>
-              <a:t>10/26/2019</a:t>
+              <a:t>10/30/2019</a:t>
             </a:fld>
             <a:endParaRPr lang="en-US"/>
           </a:p>
@@ -2348,7 +2348,7 @@
           <a:p>
             <a:fld id="{54AA066D-271F-4C1A-B89A-0705A7689EE9}" type="datetimeFigureOut">
               <a:rPr lang="en-US" smtClean="0"/>
-              <a:t>10/26/2019</a:t>
+              <a:t>10/30/2019</a:t>
             </a:fld>
             <a:endParaRPr lang="en-US"/>
           </a:p>
@@ -2625,7 +2625,7 @@
           <a:p>
             <a:fld id="{54AA066D-271F-4C1A-B89A-0705A7689EE9}" type="datetimeFigureOut">
               <a:rPr lang="en-US" smtClean="0"/>
-              <a:t>10/26/2019</a:t>
+              <a:t>10/30/2019</a:t>
             </a:fld>
             <a:endParaRPr lang="en-US"/>
           </a:p>
@@ -2878,7 +2878,7 @@
           <a:p>
             <a:fld id="{54AA066D-271F-4C1A-B89A-0705A7689EE9}" type="datetimeFigureOut">
               <a:rPr lang="en-US" smtClean="0"/>
-              <a:t>10/26/2019</a:t>
+              <a:t>10/30/2019</a:t>
             </a:fld>
             <a:endParaRPr lang="en-US"/>
           </a:p>
@@ -3091,7 +3091,7 @@
           <a:p>
             <a:fld id="{54AA066D-271F-4C1A-B89A-0705A7689EE9}" type="datetimeFigureOut">
               <a:rPr lang="en-US" smtClean="0"/>
-              <a:t>10/26/2019</a:t>
+              <a:t>10/30/2019</a:t>
             </a:fld>
             <a:endParaRPr lang="en-US"/>
           </a:p>
@@ -4538,22 +4538,13 @@
               <a:buAutoNum type="arabicPeriod"/>
             </a:pPr>
             <a:r>
-              <a:rPr lang="tr-TR" sz="2400" dirty="0" err="1">
-                <a:solidFill>
-                  <a:srgbClr val="0070C0"/>
-                </a:solidFill>
-                <a:latin typeface="Roboto"/>
-              </a:rPr>
-              <a:t>Erişilirliği</a:t>
-            </a:r>
-            <a:r>
               <a:rPr lang="tr-TR" sz="2400" dirty="0">
                 <a:solidFill>
                   <a:srgbClr val="0070C0"/>
                 </a:solidFill>
                 <a:latin typeface="Roboto"/>
               </a:rPr>
-              <a:t> yüksek (</a:t>
+              <a:t>Erişilebilirliği yüksek (</a:t>
             </a:r>
             <a:r>
               <a:rPr lang="tr-TR" sz="2400" dirty="0" err="1">
@@ -6278,7 +6269,7 @@
         <p:spPr>
           <a:xfrm>
             <a:off x="2998855" y="314296"/>
-            <a:ext cx="6162236" cy="1017548"/>
+            <a:ext cx="6162236" cy="686601"/>
           </a:xfrm>
           <a:prstGeom prst="rect">
             <a:avLst/>
@@ -6328,10 +6319,8 @@
                 <a:ea typeface="Verdana" panose="020B0604030504040204" pitchFamily="34" charset="0"/>
                 <a:cs typeface="Arial" panose="020B0604020202020204" pitchFamily="34" charset="0"/>
               </a:rPr>
-              <a:t> Veri Kaynakları</a:t>
-            </a:r>
-          </a:p>
-          <a:p>
+              <a:t> </a:t>
+            </a:r>
             <a:r>
               <a:rPr lang="tr-TR" sz="3600" b="1" dirty="0" err="1">
                 <a:solidFill>
@@ -6341,7 +6330,18 @@
                 <a:ea typeface="Verdana" panose="020B0604030504040204" pitchFamily="34" charset="0"/>
                 <a:cs typeface="Arial" panose="020B0604020202020204" pitchFamily="34" charset="0"/>
               </a:rPr>
-              <a:t>Sinks</a:t>
+              <a:t>Conf</a:t>
+            </a:r>
+            <a:r>
+              <a:rPr lang="tr-TR" sz="3600" b="1" dirty="0">
+                <a:solidFill>
+                  <a:srgbClr val="CD1F26"/>
+                </a:solidFill>
+                <a:latin typeface="Arial" panose="020B0604020202020204" pitchFamily="34" charset="0"/>
+                <a:ea typeface="Verdana" panose="020B0604030504040204" pitchFamily="34" charset="0"/>
+                <a:cs typeface="Arial" panose="020B0604020202020204" pitchFamily="34" charset="0"/>
+              </a:rPr>
+              <a:t> File</a:t>
             </a:r>
             <a:endParaRPr lang="en-US" sz="3600" b="1" dirty="0">
               <a:solidFill>
@@ -6362,8 +6362,8 @@
         </p:nvSpPr>
         <p:spPr>
           <a:xfrm>
-            <a:off x="2587154" y="1527152"/>
-            <a:ext cx="7280410" cy="3347840"/>
+            <a:off x="766119" y="1527152"/>
+            <a:ext cx="10676238" cy="3347840"/>
           </a:xfrm>
           <a:prstGeom prst="rect">
             <a:avLst/>
@@ -6374,58 +6374,6 @@
             <a:spAutoFit/>
           </a:bodyPr>
           <a:lstStyle/>
-          <a:p>
-            <a:pPr>
-              <a:lnSpc>
-                <a:spcPct val="150000"/>
-              </a:lnSpc>
-            </a:pPr>
-            <a:r>
-              <a:rPr lang="tr-TR" sz="2400" dirty="0">
-                <a:solidFill>
-                  <a:srgbClr val="0070C0"/>
-                </a:solidFill>
-                <a:latin typeface="Roboto"/>
-              </a:rPr>
-              <a:t>Kaynak </a:t>
-            </a:r>
-            <a:r>
-              <a:rPr lang="tr-TR" sz="2400" dirty="0" err="1">
-                <a:solidFill>
-                  <a:srgbClr val="0070C0"/>
-                </a:solidFill>
-                <a:latin typeface="Roboto"/>
-              </a:rPr>
-              <a:t>gelellikle</a:t>
-            </a:r>
-            <a:r>
-              <a:rPr lang="tr-TR" sz="2400" dirty="0">
-                <a:solidFill>
-                  <a:srgbClr val="0070C0"/>
-                </a:solidFill>
-                <a:latin typeface="Roboto"/>
-              </a:rPr>
-              <a:t> sunucu </a:t>
-            </a:r>
-            <a:r>
-              <a:rPr lang="tr-TR" sz="2400" dirty="0" err="1">
-                <a:solidFill>
-                  <a:srgbClr val="0070C0"/>
-                </a:solidFill>
-                <a:latin typeface="Roboto"/>
-              </a:rPr>
-              <a:t>loglarıdır</a:t>
-            </a:r>
-            <a:r>
-              <a:rPr lang="tr-TR" sz="2400">
-                <a:solidFill>
-                  <a:srgbClr val="0070C0"/>
-                </a:solidFill>
-                <a:latin typeface="Roboto"/>
-              </a:rPr>
-              <a:t>.</a:t>
-            </a:r>
-          </a:p>
           <a:p>
             <a:pPr marL="457200" indent="-457200">
               <a:lnSpc>
@@ -6441,14 +6389,35 @@
                 </a:solidFill>
                 <a:latin typeface="Roboto"/>
               </a:rPr>
-              <a:t>netcat</a:t>
-            </a:r>
-            <a:endParaRPr lang="tr-TR" sz="2400" dirty="0">
-              <a:solidFill>
-                <a:srgbClr val="0070C0"/>
-              </a:solidFill>
-              <a:latin typeface="Roboto"/>
-            </a:endParaRPr>
+              <a:t>Flume</a:t>
+            </a:r>
+            <a:r>
+              <a:rPr lang="tr-TR" sz="2400" dirty="0">
+                <a:solidFill>
+                  <a:srgbClr val="0070C0"/>
+                </a:solidFill>
+                <a:latin typeface="Roboto"/>
+              </a:rPr>
+              <a:t> </a:t>
+            </a:r>
+            <a:r>
+              <a:rPr lang="tr-TR" sz="2400" dirty="0" err="1">
+                <a:solidFill>
+                  <a:srgbClr val="0070C0"/>
+                </a:solidFill>
+                <a:latin typeface="Roboto"/>
+              </a:rPr>
+              <a:t>agent</a:t>
+            </a:r>
+            <a:r>
+              <a:rPr lang="tr-TR" sz="2400" dirty="0">
+                <a:solidFill>
+                  <a:srgbClr val="0070C0"/>
+                </a:solidFill>
+                <a:latin typeface="Roboto"/>
+              </a:rPr>
+              <a:t> davranışları bir konfigürasyon dosyasında tanımlanır.</a:t>
+            </a:r>
           </a:p>
           <a:p>
             <a:pPr marL="457200" indent="-457200">
@@ -6459,20 +6428,32 @@
               <a:buAutoNum type="arabicPeriod"/>
             </a:pPr>
             <a:r>
+              <a:rPr lang="tr-TR" sz="2400" dirty="0">
+                <a:solidFill>
+                  <a:srgbClr val="0070C0"/>
+                </a:solidFill>
+                <a:latin typeface="Roboto"/>
+              </a:rPr>
+              <a:t>Birden fazla </a:t>
+            </a:r>
+            <a:r>
               <a:rPr lang="tr-TR" sz="2400" dirty="0" err="1">
                 <a:solidFill>
                   <a:srgbClr val="0070C0"/>
                 </a:solidFill>
                 <a:latin typeface="Roboto"/>
               </a:rPr>
-              <a:t>exec</a:t>
-            </a:r>
-            <a:endParaRPr lang="tr-TR" sz="2400" dirty="0">
-              <a:solidFill>
-                <a:srgbClr val="0070C0"/>
-              </a:solidFill>
-              <a:latin typeface="Roboto"/>
-            </a:endParaRPr>
+              <a:t>agent</a:t>
+            </a:r>
+            <a:r>
+              <a:rPr lang="tr-TR" sz="2400" dirty="0">
+                <a:solidFill>
+                  <a:srgbClr val="0070C0"/>
+                </a:solidFill>
+                <a:latin typeface="Roboto"/>
+              </a:rPr>
+              <a:t> konfigürasyonu tek bir dosyada olabilir.</a:t>
+            </a:r>
           </a:p>
           <a:p>
             <a:pPr marL="457200" indent="-457200">
@@ -6489,14 +6470,71 @@
                 </a:solidFill>
                 <a:latin typeface="Roboto"/>
               </a:rPr>
-              <a:t>syslog</a:t>
-            </a:r>
-            <a:endParaRPr lang="tr-TR" sz="2400" dirty="0">
-              <a:solidFill>
-                <a:srgbClr val="0070C0"/>
-              </a:solidFill>
-              <a:latin typeface="Roboto"/>
-            </a:endParaRPr>
+              <a:t>Conf</a:t>
+            </a:r>
+            <a:r>
+              <a:rPr lang="tr-TR" sz="2400" dirty="0">
+                <a:solidFill>
+                  <a:srgbClr val="0070C0"/>
+                </a:solidFill>
+                <a:latin typeface="Roboto"/>
+              </a:rPr>
+              <a:t> dosyasında </a:t>
+            </a:r>
+            <a:r>
+              <a:rPr lang="tr-TR" sz="2400" dirty="0" err="1">
+                <a:solidFill>
+                  <a:srgbClr val="0070C0"/>
+                </a:solidFill>
+                <a:latin typeface="Roboto"/>
+              </a:rPr>
+              <a:t>source</a:t>
+            </a:r>
+            <a:r>
+              <a:rPr lang="tr-TR" sz="2400" dirty="0">
+                <a:solidFill>
+                  <a:srgbClr val="0070C0"/>
+                </a:solidFill>
+                <a:latin typeface="Roboto"/>
+              </a:rPr>
+              <a:t>, </a:t>
+            </a:r>
+            <a:r>
+              <a:rPr lang="tr-TR" sz="2400" dirty="0" err="1">
+                <a:solidFill>
+                  <a:srgbClr val="0070C0"/>
+                </a:solidFill>
+                <a:latin typeface="Roboto"/>
+              </a:rPr>
+              <a:t>channel</a:t>
+            </a:r>
+            <a:r>
+              <a:rPr lang="tr-TR" sz="2400" dirty="0">
+                <a:solidFill>
+                  <a:srgbClr val="0070C0"/>
+                </a:solidFill>
+                <a:latin typeface="Roboto"/>
+              </a:rPr>
+              <a:t> ve </a:t>
+            </a:r>
+            <a:r>
+              <a:rPr lang="tr-TR" sz="2400" dirty="0" err="1">
+                <a:solidFill>
+                  <a:srgbClr val="0070C0"/>
+                </a:solidFill>
+                <a:latin typeface="Roboto"/>
+              </a:rPr>
+              <a:t>sink’e</a:t>
+            </a:r>
+            <a:r>
+              <a:rPr lang="tr-TR" sz="2400" dirty="0">
+                <a:solidFill>
+                  <a:srgbClr val="0070C0"/>
+                </a:solidFill>
+                <a:latin typeface="Roboto"/>
+              </a:rPr>
+              <a:t> ait özellikler ve bunların birbirine nasıl bağlandığı belirtilir.</a:t>
+            </a:r>
           </a:p>
           <a:p>
             <a:pPr marL="457200" indent="-457200">
@@ -6513,17 +6551,8 @@
                 </a:solidFill>
                 <a:latin typeface="Roboto"/>
               </a:rPr>
-              <a:t>avro</a:t>
-            </a:r>
-          </a:p>
-          <a:p>
-            <a:pPr marL="457200" indent="-457200">
-              <a:lnSpc>
-                <a:spcPct val="150000"/>
-              </a:lnSpc>
-              <a:buFont typeface="+mj-lt"/>
-              <a:buAutoNum type="arabicPeriod"/>
-            </a:pPr>
+              <a:t>Her bir unsurun (</a:t>
+            </a:r>
             <a:r>
               <a:rPr lang="tr-TR" sz="2400" dirty="0" err="1">
                 <a:solidFill>
@@ -6531,7 +6560,7 @@
                 </a:solidFill>
                 <a:latin typeface="Roboto"/>
               </a:rPr>
-              <a:t>And</a:t>
+              <a:t>source</a:t>
             </a:r>
             <a:r>
               <a:rPr lang="tr-TR" sz="2400" dirty="0">
@@ -6540,7 +6569,7 @@
                 </a:solidFill>
                 <a:latin typeface="Roboto"/>
               </a:rPr>
-              <a:t> </a:t>
+              <a:t>, </a:t>
             </a:r>
             <a:r>
               <a:rPr lang="tr-TR" sz="2400" dirty="0" err="1">
@@ -6549,7 +6578,61 @@
                 </a:solidFill>
                 <a:latin typeface="Roboto"/>
               </a:rPr>
-              <a:t>more</a:t>
+              <a:t>channel</a:t>
+            </a:r>
+            <a:r>
+              <a:rPr lang="tr-TR" sz="2400" dirty="0">
+                <a:solidFill>
+                  <a:srgbClr val="0070C0"/>
+                </a:solidFill>
+                <a:latin typeface="Roboto"/>
+              </a:rPr>
+              <a:t> ve </a:t>
+            </a:r>
+            <a:r>
+              <a:rPr lang="tr-TR" sz="2400" dirty="0" err="1">
+                <a:solidFill>
+                  <a:srgbClr val="0070C0"/>
+                </a:solidFill>
+                <a:latin typeface="Roboto"/>
+              </a:rPr>
+              <a:t>sink</a:t>
+            </a:r>
+            <a:r>
+              <a:rPr lang="tr-TR" sz="2400" dirty="0">
+                <a:solidFill>
+                  <a:srgbClr val="0070C0"/>
+                </a:solidFill>
+                <a:latin typeface="Roboto"/>
+              </a:rPr>
+              <a:t>) adı, türü ve bir dizi özelliği olur. Örneğin </a:t>
+            </a:r>
+            <a:r>
+              <a:rPr lang="tr-TR" sz="2400" dirty="0" err="1">
+                <a:solidFill>
+                  <a:srgbClr val="0070C0"/>
+                </a:solidFill>
+                <a:latin typeface="Roboto"/>
+              </a:rPr>
+              <a:t>sink</a:t>
+            </a:r>
+            <a:r>
+              <a:rPr lang="tr-TR" sz="2400" dirty="0">
+                <a:solidFill>
+                  <a:srgbClr val="0070C0"/>
+                </a:solidFill>
+                <a:latin typeface="Roboto"/>
+              </a:rPr>
+              <a:t> bir HDFS ise mutlaka bir dizin </a:t>
+            </a:r>
+            <a:r>
+              <a:rPr lang="tr-TR" sz="2400">
+                <a:solidFill>
+                  <a:srgbClr val="0070C0"/>
+                </a:solidFill>
+                <a:latin typeface="Roboto"/>
+              </a:rPr>
+              <a:t>belirtmek gerekir.</a:t>
             </a:r>
             <a:endParaRPr lang="tr-TR" sz="2400" dirty="0">
               <a:solidFill>
